--- a/APIandBackend (1).pptx
+++ b/APIandBackend (1).pptx
@@ -262,7 +262,7 @@
           <a:p>
             <a:fld id="{38774ADF-D3A0-4842-89F2-BBB773D0D248}" type="datetimeFigureOut">
               <a:rPr lang="en-US" smtClean="0"/>
-              <a:t>6/29/21</a:t>
+              <a:t>6/30/2021</a:t>
             </a:fld>
             <a:endParaRPr lang="en-US"/>
           </a:p>
@@ -460,7 +460,7 @@
           <a:p>
             <a:fld id="{38774ADF-D3A0-4842-89F2-BBB773D0D248}" type="datetimeFigureOut">
               <a:rPr lang="en-US" smtClean="0"/>
-              <a:t>6/29/21</a:t>
+              <a:t>6/30/2021</a:t>
             </a:fld>
             <a:endParaRPr lang="en-US"/>
           </a:p>
@@ -668,7 +668,7 @@
           <a:p>
             <a:fld id="{38774ADF-D3A0-4842-89F2-BBB773D0D248}" type="datetimeFigureOut">
               <a:rPr lang="en-US" smtClean="0"/>
-              <a:t>6/29/21</a:t>
+              <a:t>6/30/2021</a:t>
             </a:fld>
             <a:endParaRPr lang="en-US"/>
           </a:p>
@@ -866,7 +866,7 @@
           <a:p>
             <a:fld id="{38774ADF-D3A0-4842-89F2-BBB773D0D248}" type="datetimeFigureOut">
               <a:rPr lang="en-US" smtClean="0"/>
-              <a:t>6/29/21</a:t>
+              <a:t>6/30/2021</a:t>
             </a:fld>
             <a:endParaRPr lang="en-US"/>
           </a:p>
@@ -1141,7 +1141,7 @@
           <a:p>
             <a:fld id="{38774ADF-D3A0-4842-89F2-BBB773D0D248}" type="datetimeFigureOut">
               <a:rPr lang="en-US" smtClean="0"/>
-              <a:t>6/29/21</a:t>
+              <a:t>6/30/2021</a:t>
             </a:fld>
             <a:endParaRPr lang="en-US"/>
           </a:p>
@@ -1406,7 +1406,7 @@
           <a:p>
             <a:fld id="{38774ADF-D3A0-4842-89F2-BBB773D0D248}" type="datetimeFigureOut">
               <a:rPr lang="en-US" smtClean="0"/>
-              <a:t>6/29/21</a:t>
+              <a:t>6/30/2021</a:t>
             </a:fld>
             <a:endParaRPr lang="en-US"/>
           </a:p>
@@ -1818,7 +1818,7 @@
           <a:p>
             <a:fld id="{38774ADF-D3A0-4842-89F2-BBB773D0D248}" type="datetimeFigureOut">
               <a:rPr lang="en-US" smtClean="0"/>
-              <a:t>6/29/21</a:t>
+              <a:t>6/30/2021</a:t>
             </a:fld>
             <a:endParaRPr lang="en-US"/>
           </a:p>
@@ -1959,7 +1959,7 @@
           <a:p>
             <a:fld id="{38774ADF-D3A0-4842-89F2-BBB773D0D248}" type="datetimeFigureOut">
               <a:rPr lang="en-US" smtClean="0"/>
-              <a:t>6/29/21</a:t>
+              <a:t>6/30/2021</a:t>
             </a:fld>
             <a:endParaRPr lang="en-US"/>
           </a:p>
@@ -2072,7 +2072,7 @@
           <a:p>
             <a:fld id="{38774ADF-D3A0-4842-89F2-BBB773D0D248}" type="datetimeFigureOut">
               <a:rPr lang="en-US" smtClean="0"/>
-              <a:t>6/29/21</a:t>
+              <a:t>6/30/2021</a:t>
             </a:fld>
             <a:endParaRPr lang="en-US"/>
           </a:p>
@@ -2383,7 +2383,7 @@
           <a:p>
             <a:fld id="{38774ADF-D3A0-4842-89F2-BBB773D0D248}" type="datetimeFigureOut">
               <a:rPr lang="en-US" smtClean="0"/>
-              <a:t>6/29/21</a:t>
+              <a:t>6/30/2021</a:t>
             </a:fld>
             <a:endParaRPr lang="en-US"/>
           </a:p>
@@ -2671,7 +2671,7 @@
           <a:p>
             <a:fld id="{38774ADF-D3A0-4842-89F2-BBB773D0D248}" type="datetimeFigureOut">
               <a:rPr lang="en-US" smtClean="0"/>
-              <a:t>6/29/21</a:t>
+              <a:t>6/30/2021</a:t>
             </a:fld>
             <a:endParaRPr lang="en-US"/>
           </a:p>
@@ -2912,7 +2912,7 @@
           <a:p>
             <a:fld id="{38774ADF-D3A0-4842-89F2-BBB773D0D248}" type="datetimeFigureOut">
               <a:rPr lang="en-US" smtClean="0"/>
-              <a:t>6/29/21</a:t>
+              <a:t>6/30/2021</a:t>
             </a:fld>
             <a:endParaRPr lang="en-US"/>
           </a:p>
@@ -9500,55 +9500,6 @@
       </p:sp>
       <p:sp>
         <p:nvSpPr>
-          <p:cNvPr id="21" name="Rectangle 20">
-            <a:extLst>
-              <a:ext uri="{FF2B5EF4-FFF2-40B4-BE49-F238E27FC236}">
-                <a16:creationId xmlns:a16="http://schemas.microsoft.com/office/drawing/2014/main" id="{5408D6C6-0EB1-7D4E-B13D-4F782C8F85DE}"/>
-              </a:ext>
-            </a:extLst>
-          </p:cNvPr>
-          <p:cNvSpPr/>
-          <p:nvPr/>
-        </p:nvSpPr>
-        <p:spPr>
-          <a:xfrm>
-            <a:off x="8512390" y="3015962"/>
-            <a:ext cx="1539754" cy="388364"/>
-          </a:xfrm>
-          <a:prstGeom prst="rect">
-            <a:avLst/>
-          </a:prstGeom>
-        </p:spPr>
-        <p:style>
-          <a:lnRef idx="2">
-            <a:schemeClr val="accent5">
-              <a:shade val="50000"/>
-            </a:schemeClr>
-          </a:lnRef>
-          <a:fillRef idx="1">
-            <a:schemeClr val="accent5"/>
-          </a:fillRef>
-          <a:effectRef idx="0">
-            <a:schemeClr val="accent5"/>
-          </a:effectRef>
-          <a:fontRef idx="minor">
-            <a:schemeClr val="lt1"/>
-          </a:fontRef>
-        </p:style>
-        <p:txBody>
-          <a:bodyPr rtlCol="0" anchor="ctr"/>
-          <a:lstStyle/>
-          <a:p>
-            <a:pPr algn="ctr"/>
-            <a:r>
-              <a:rPr lang="en-US" sz="1200" dirty="0"/>
-              <a:t>/Transactions</a:t>
-            </a:r>
-          </a:p>
-        </p:txBody>
-      </p:sp>
-      <p:sp>
-        <p:nvSpPr>
           <p:cNvPr id="22" name="Rectangle 21">
             <a:extLst>
               <a:ext uri="{FF2B5EF4-FFF2-40B4-BE49-F238E27FC236}">
